--- a/slides/L14. Unit Testing and JUnit.pptx
+++ b/slides/L14. Unit Testing and JUnit.pptx
@@ -4468,7 +4468,7 @@
           <p:nvPr/>
         </p:nvGraphicFramePr>
         <p:xfrm>
-          <a:off x="619125" y="1933575"/>
+          <a:off x="619760" y="2254885"/>
           <a:ext cx="10419080" cy="381000"/>
         </p:xfrm>
         <a:graphic>
@@ -4521,7 +4521,7 @@
         <p:spPr>
           <a:xfrm>
             <a:off x="428625" y="2690495"/>
-            <a:ext cx="10610215" cy="1198880"/>
+            <a:ext cx="10610215" cy="2030095"/>
           </a:xfrm>
           <a:prstGeom prst="rect">
             <a:avLst/>
@@ -4532,6 +4532,12 @@
           <a:bodyPr wrap="square" rtlCol="0" anchor="t">
             <a:spAutoFit/>
           </a:bodyPr>
+          <a:p>
+            <a:endParaRPr lang="en-US"/>
+          </a:p>
+          <a:p>
+            <a:endParaRPr lang="en-US"/>
+          </a:p>
           <a:p>
             <a:r>
               <a:rPr lang="en-US"/>

--- a/slides/L14. Unit Testing and JUnit.pptx
+++ b/slides/L14. Unit Testing and JUnit.pptx
@@ -4520,7 +4520,7 @@
         </p:nvSpPr>
         <p:spPr>
           <a:xfrm>
-            <a:off x="428625" y="2690495"/>
+            <a:off x="523875" y="3141345"/>
             <a:ext cx="10610215" cy="2030095"/>
           </a:xfrm>
           <a:prstGeom prst="rect">
